--- a/Prezentacje/PT_1.pptx
+++ b/Prezentacje/PT_1.pptx
@@ -5,14 +5,15 @@
     <p:sldMasterId id="2147483648" r:id="rId1"/>
   </p:sldMasterIdLst>
   <p:notesMasterIdLst>
-    <p:notesMasterId r:id="rId7"/>
+    <p:notesMasterId r:id="rId8"/>
   </p:notesMasterIdLst>
   <p:sldIdLst>
     <p:sldId id="256" r:id="rId2"/>
-    <p:sldId id="257" r:id="rId3"/>
-    <p:sldId id="258" r:id="rId4"/>
-    <p:sldId id="259" r:id="rId5"/>
-    <p:sldId id="260" r:id="rId6"/>
+    <p:sldId id="261" r:id="rId3"/>
+    <p:sldId id="257" r:id="rId4"/>
+    <p:sldId id="258" r:id="rId5"/>
+    <p:sldId id="259" r:id="rId6"/>
+    <p:sldId id="260" r:id="rId7"/>
   </p:sldIdLst>
   <p:sldSz cx="12192000" cy="6858000"/>
   <p:notesSz cx="6858000" cy="9144000"/>
@@ -205,7 +206,7 @@
           <a:p>
             <a:fld id="{A8077D50-AF35-4B96-83AF-4D2D7F550908}" type="datetimeFigureOut">
               <a:rPr lang="pl-PL"/>
-              <a:t>15.03.2017</a:t>
+              <a:t>16.03.2017</a:t>
             </a:fld>
             <a:endParaRPr lang="pl-PL"/>
           </a:p>
@@ -621,7 +622,7 @@
           <a:p>
             <a:fld id="{1143F737-D223-4236-8945-AABEB8109155}" type="slidenum">
               <a:rPr lang="pl-PL"/>
-              <a:t>2</a:t>
+              <a:t>3</a:t>
             </a:fld>
             <a:endParaRPr lang="pl-PL"/>
           </a:p>
@@ -769,7 +770,7 @@
           <a:p>
             <a:fld id="{F98AA868-8872-43E4-8C98-D34DABD1FD38}" type="datetimeFigureOut">
               <a:rPr lang="pl-PL" smtClean="0"/>
-              <a:t>15.03.2017</a:t>
+              <a:t>16.03.2017</a:t>
             </a:fld>
             <a:endParaRPr lang="pl-PL"/>
           </a:p>
@@ -937,7 +938,7 @@
           <a:p>
             <a:fld id="{F98AA868-8872-43E4-8C98-D34DABD1FD38}" type="datetimeFigureOut">
               <a:rPr lang="pl-PL" smtClean="0"/>
-              <a:t>15.03.2017</a:t>
+              <a:t>16.03.2017</a:t>
             </a:fld>
             <a:endParaRPr lang="pl-PL"/>
           </a:p>
@@ -1115,7 +1116,7 @@
           <a:p>
             <a:fld id="{F98AA868-8872-43E4-8C98-D34DABD1FD38}" type="datetimeFigureOut">
               <a:rPr lang="pl-PL" smtClean="0"/>
-              <a:t>15.03.2017</a:t>
+              <a:t>16.03.2017</a:t>
             </a:fld>
             <a:endParaRPr lang="pl-PL"/>
           </a:p>
@@ -1283,7 +1284,7 @@
           <a:p>
             <a:fld id="{F98AA868-8872-43E4-8C98-D34DABD1FD38}" type="datetimeFigureOut">
               <a:rPr lang="pl-PL" smtClean="0"/>
-              <a:t>15.03.2017</a:t>
+              <a:t>16.03.2017</a:t>
             </a:fld>
             <a:endParaRPr lang="pl-PL"/>
           </a:p>
@@ -1528,7 +1529,7 @@
           <a:p>
             <a:fld id="{F98AA868-8872-43E4-8C98-D34DABD1FD38}" type="datetimeFigureOut">
               <a:rPr lang="pl-PL" smtClean="0"/>
-              <a:t>15.03.2017</a:t>
+              <a:t>16.03.2017</a:t>
             </a:fld>
             <a:endParaRPr lang="pl-PL"/>
           </a:p>
@@ -1757,7 +1758,7 @@
           <a:p>
             <a:fld id="{F98AA868-8872-43E4-8C98-D34DABD1FD38}" type="datetimeFigureOut">
               <a:rPr lang="pl-PL" smtClean="0"/>
-              <a:t>15.03.2017</a:t>
+              <a:t>16.03.2017</a:t>
             </a:fld>
             <a:endParaRPr lang="pl-PL"/>
           </a:p>
@@ -2121,7 +2122,7 @@
           <a:p>
             <a:fld id="{F98AA868-8872-43E4-8C98-D34DABD1FD38}" type="datetimeFigureOut">
               <a:rPr lang="pl-PL" smtClean="0"/>
-              <a:t>15.03.2017</a:t>
+              <a:t>16.03.2017</a:t>
             </a:fld>
             <a:endParaRPr lang="pl-PL"/>
           </a:p>
@@ -2238,7 +2239,7 @@
           <a:p>
             <a:fld id="{F98AA868-8872-43E4-8C98-D34DABD1FD38}" type="datetimeFigureOut">
               <a:rPr lang="pl-PL" smtClean="0"/>
-              <a:t>15.03.2017</a:t>
+              <a:t>16.03.2017</a:t>
             </a:fld>
             <a:endParaRPr lang="pl-PL"/>
           </a:p>
@@ -2333,7 +2334,7 @@
           <a:p>
             <a:fld id="{F98AA868-8872-43E4-8C98-D34DABD1FD38}" type="datetimeFigureOut">
               <a:rPr lang="pl-PL" smtClean="0"/>
-              <a:t>15.03.2017</a:t>
+              <a:t>16.03.2017</a:t>
             </a:fld>
             <a:endParaRPr lang="pl-PL"/>
           </a:p>
@@ -2608,7 +2609,7 @@
           <a:p>
             <a:fld id="{F98AA868-8872-43E4-8C98-D34DABD1FD38}" type="datetimeFigureOut">
               <a:rPr lang="pl-PL" smtClean="0"/>
-              <a:t>15.03.2017</a:t>
+              <a:t>16.03.2017</a:t>
             </a:fld>
             <a:endParaRPr lang="pl-PL"/>
           </a:p>
@@ -2860,7 +2861,7 @@
           <a:p>
             <a:fld id="{F98AA868-8872-43E4-8C98-D34DABD1FD38}" type="datetimeFigureOut">
               <a:rPr lang="pl-PL" smtClean="0"/>
-              <a:t>15.03.2017</a:t>
+              <a:t>16.03.2017</a:t>
             </a:fld>
             <a:endParaRPr lang="pl-PL"/>
           </a:p>
@@ -3080,7 +3081,7 @@
           <a:p>
             <a:fld id="{F98AA868-8872-43E4-8C98-D34DABD1FD38}" type="datetimeFigureOut">
               <a:rPr lang="pl-PL" smtClean="0"/>
-              <a:t>15.03.2017</a:t>
+              <a:t>16.03.2017</a:t>
             </a:fld>
             <a:endParaRPr lang="pl-PL"/>
           </a:p>
@@ -3719,6 +3720,13 @@
   <p:clrMapOvr>
     <a:masterClrMapping/>
   </p:clrMapOvr>
+  <p:timing>
+    <p:tnLst>
+      <p:par>
+        <p:cTn id="1" dur="indefinite" restart="never" nodeType="tmRoot"/>
+      </p:par>
+    </p:tnLst>
+  </p:timing>
 </p:sld>
 </file>
 
@@ -3741,7 +3749,7 @@
       </p:grpSpPr>
       <p:sp>
         <p:nvSpPr>
-          <p:cNvPr id="2" name="Tytuł 1"/>
+          <p:cNvPr id="2" name="Title 1"/>
           <p:cNvSpPr>
             <a:spLocks noGrp="1"/>
           </p:cNvSpPr>
@@ -3756,21 +3764,48 @@
           <a:p>
             <a:pPr algn="ctr"/>
             <a:r>
-              <a:rPr lang="pl-PL" b="1" dirty="0">
+              <a:rPr lang="pl-PL" b="1" dirty="0" smtClean="0">
                 <a:solidFill>
                   <a:srgbClr val="7030A0"/>
                 </a:solidFill>
                 <a:latin typeface="Times New Roman" panose="02020603050405020304" pitchFamily="18" charset="0"/>
                 <a:cs typeface="Times New Roman" panose="02020603050405020304" pitchFamily="18" charset="0"/>
               </a:rPr>
-              <a:t>Dlaczego wybrano temat?</a:t>
-            </a:r>
-          </a:p>
-        </p:txBody>
-      </p:sp>
-      <p:sp>
-        <p:nvSpPr>
-          <p:cNvPr id="3" name="Symbol zastępczy zawartości 2"/>
+              <a:t>Funkcjonalność</a:t>
+            </a:r>
+            <a:r>
+              <a:rPr lang="pl-PL" b="1" dirty="0" smtClean="0">
+                <a:solidFill>
+                  <a:srgbClr val="002060"/>
+                </a:solidFill>
+                <a:latin typeface="Times New Roman" panose="02020603050405020304" pitchFamily="18" charset="0"/>
+                <a:cs typeface="Times New Roman" panose="02020603050405020304" pitchFamily="18" charset="0"/>
+              </a:rPr>
+              <a:t> </a:t>
+            </a:r>
+            <a:r>
+              <a:rPr lang="pl-PL" b="1" dirty="0" smtClean="0">
+                <a:solidFill>
+                  <a:srgbClr val="7030A0"/>
+                </a:solidFill>
+                <a:latin typeface="Times New Roman" panose="02020603050405020304" pitchFamily="18" charset="0"/>
+                <a:cs typeface="Times New Roman" panose="02020603050405020304" pitchFamily="18" charset="0"/>
+              </a:rPr>
+              <a:t>projektu</a:t>
+            </a:r>
+            <a:endParaRPr lang="en-US" b="1" dirty="0">
+              <a:solidFill>
+                <a:srgbClr val="7030A0"/>
+              </a:solidFill>
+              <a:latin typeface="Times New Roman" panose="02020603050405020304" pitchFamily="18" charset="0"/>
+              <a:cs typeface="Times New Roman" panose="02020603050405020304" pitchFamily="18" charset="0"/>
+            </a:endParaRPr>
+          </a:p>
+        </p:txBody>
+      </p:sp>
+      <p:sp>
+        <p:nvSpPr>
+          <p:cNvPr id="3" name="Content Placeholder 2"/>
           <p:cNvSpPr>
             <a:spLocks noGrp="1"/>
           </p:cNvSpPr>
@@ -3780,8 +3815,8 @@
         </p:nvSpPr>
         <p:spPr>
           <a:xfrm>
-            <a:off x="838200" y="1825624"/>
-            <a:ext cx="10515600" cy="3660775"/>
+            <a:off x="838200" y="1869870"/>
+            <a:ext cx="10515600" cy="2480904"/>
           </a:xfrm>
           <a:solidFill>
             <a:schemeClr val="bg1">
@@ -3793,75 +3828,89 @@
           </a:effectLst>
         </p:spPr>
         <p:txBody>
-          <a:bodyPr vert="horz" lIns="450000" tIns="45720" rIns="450000" bIns="45720" rtlCol="0" anchor="t">
+          <a:bodyPr>
             <a:normAutofit/>
           </a:bodyPr>
           <a:lstStyle/>
           <a:p>
-            <a:pPr algn="just"/>
-            <a:r>
-              <a:rPr lang="pl-PL" sz="2600" b="1" dirty="0">
+            <a:r>
+              <a:rPr lang="pl-PL" sz="2600" b="1" dirty="0" smtClean="0">
                 <a:solidFill>
                   <a:srgbClr val="92D050"/>
                 </a:solidFill>
-                <a:latin typeface="times"/>
+                <a:latin typeface="times" panose="02020603050405020304" pitchFamily="18" charset="0"/>
+                <a:cs typeface="times" panose="02020603050405020304" pitchFamily="18" charset="0"/>
               </a:rPr>
-              <a:t>Zainteresowanie techniką rozpoznawania ruchów przy wykorzystaniu sensora Kinect, poprzez wykorzystanie bibliotek dostarczonych wraz z Kinect for Windows Developer Toolkit v1.8.</a:t>
-            </a:r>
-          </a:p>
-          <a:p>
-            <a:pPr algn="just"/>
-            <a:r>
-              <a:rPr lang="pl-PL" sz="2600" b="1" dirty="0">
+              <a:t>Malowanie obrazów przy wykorzystaniu ruchów ciała – ręki.</a:t>
+            </a:r>
+          </a:p>
+          <a:p>
+            <a:r>
+              <a:rPr lang="pl-PL" sz="2600" b="1" dirty="0" smtClean="0">
                 <a:solidFill>
                   <a:srgbClr val="92D050"/>
                 </a:solidFill>
-                <a:latin typeface="times"/>
+                <a:latin typeface="times" panose="02020603050405020304" pitchFamily="18" charset="0"/>
+                <a:cs typeface="times" panose="02020603050405020304" pitchFamily="18" charset="0"/>
               </a:rPr>
-              <a:t>Podniesienie umiejętności programowania w języku C# przy wykorzystaniu silnika graficznego WPF (ang. Windows Presentation Foundation).</a:t>
-            </a:r>
-          </a:p>
-          <a:p>
-            <a:pPr algn="just"/>
-            <a:r>
-              <a:rPr lang="pl-PL" sz="2600" b="1" dirty="0">
+              <a:t>Zapisywanie obrazów.</a:t>
+            </a:r>
+          </a:p>
+          <a:p>
+            <a:r>
+              <a:rPr lang="pl-PL" sz="2600" b="1" dirty="0" smtClean="0">
                 <a:solidFill>
                   <a:srgbClr val="92D050"/>
                 </a:solidFill>
-                <a:latin typeface="times"/>
+                <a:latin typeface="times" panose="02020603050405020304" pitchFamily="18" charset="0"/>
+                <a:cs typeface="times" panose="02020603050405020304" pitchFamily="18" charset="0"/>
               </a:rPr>
-              <a:t>Chęć bardziej praktycznego wykorzystania posiadanego urządzenia.</a:t>
-            </a:r>
-            <a:endParaRPr lang="pl-PL" sz="2600" b="1" dirty="0">
-              <a:solidFill>
-                <a:srgbClr val="92D050"/>
-              </a:solidFill>
-              <a:latin typeface="times"/>
-            </a:endParaRPr>
-          </a:p>
-          <a:p>
-            <a:pPr marL="0" indent="0" algn="just">
-              <a:buNone/>
-            </a:pPr>
-            <a:endParaRPr lang="pl-PL" sz="2600" dirty="0">
-              <a:solidFill>
-                <a:srgbClr val="92D050"/>
-              </a:solidFill>
-              <a:latin typeface="Calibri"/>
-            </a:endParaRPr>
+              <a:t>Wczytywanie obrazów w celu edycji.</a:t>
+            </a:r>
+          </a:p>
+          <a:p>
+            <a:r>
+              <a:rPr lang="pl-PL" sz="2600" b="1" dirty="0" smtClean="0">
+                <a:solidFill>
+                  <a:srgbClr val="92D050"/>
+                </a:solidFill>
+                <a:latin typeface="times" panose="02020603050405020304" pitchFamily="18" charset="0"/>
+                <a:cs typeface="times" panose="02020603050405020304" pitchFamily="18" charset="0"/>
+              </a:rPr>
+              <a:t>Wybór narzędzi do malowania (pędzel, ołówek, spray).</a:t>
+            </a:r>
+          </a:p>
+          <a:p>
+            <a:r>
+              <a:rPr lang="pl-PL" sz="2600" b="1" dirty="0" smtClean="0">
+                <a:solidFill>
+                  <a:srgbClr val="92D050"/>
+                </a:solidFill>
+                <a:latin typeface="times" panose="02020603050405020304" pitchFamily="18" charset="0"/>
+                <a:cs typeface="times" panose="02020603050405020304" pitchFamily="18" charset="0"/>
+              </a:rPr>
+              <a:t>Wybór koloru.</a:t>
+            </a:r>
           </a:p>
         </p:txBody>
       </p:sp>
     </p:spTree>
     <p:extLst>
       <p:ext uri="{BB962C8B-B14F-4D97-AF65-F5344CB8AC3E}">
-        <p14:creationId xmlns:p14="http://schemas.microsoft.com/office/powerpoint/2010/main" val="970165875"/>
+        <p14:creationId xmlns:p14="http://schemas.microsoft.com/office/powerpoint/2010/main" val="2256251851"/>
       </p:ext>
     </p:extLst>
   </p:cSld>
   <p:clrMapOvr>
     <a:masterClrMapping/>
   </p:clrMapOvr>
+  <p:timing>
+    <p:tnLst>
+      <p:par>
+        <p:cTn id="1" dur="indefinite" restart="never" nodeType="tmRoot"/>
+      </p:par>
+    </p:tnLst>
+  </p:timing>
 </p:sld>
 </file>
 
@@ -3906,15 +3955,15 @@
                 <a:latin typeface="Times New Roman" panose="02020603050405020304" pitchFamily="18" charset="0"/>
                 <a:cs typeface="Times New Roman" panose="02020603050405020304" pitchFamily="18" charset="0"/>
               </a:rPr>
-              <a:t>Szkic harmonogramu</a:t>
-            </a:r>
-          </a:p>
-        </p:txBody>
-      </p:sp>
-      <p:sp>
-        <p:nvSpPr>
-          <p:cNvPr id="7" name="Symbol zastępczy zawartości 2"/>
-          <p:cNvSpPr txBox="1">
+              <a:t>Dlaczego wybrano temat?</a:t>
+            </a:r>
+          </a:p>
+        </p:txBody>
+      </p:sp>
+      <p:sp>
+        <p:nvSpPr>
+          <p:cNvPr id="3" name="Symbol zastępczy zawartości 2"/>
+          <p:cNvSpPr>
             <a:spLocks noGrp="1"/>
           </p:cNvSpPr>
           <p:nvPr>
@@ -3923,12 +3972,9 @@
         </p:nvSpPr>
         <p:spPr>
           <a:xfrm>
-            <a:off x="838200" y="1825625"/>
-            <a:ext cx="10515600" cy="3644446"/>
+            <a:off x="838200" y="1825624"/>
+            <a:ext cx="10515600" cy="3660775"/>
           </a:xfrm>
-          <a:prstGeom prst="rect">
-            <a:avLst/>
-          </a:prstGeom>
           <a:solidFill>
             <a:schemeClr val="bg1">
               <a:alpha val="85000"/>
@@ -3942,307 +3988,52 @@
           <a:bodyPr vert="horz" lIns="450000" tIns="45720" rIns="450000" bIns="45720" rtlCol="0" anchor="t">
             <a:normAutofit/>
           </a:bodyPr>
-          <a:lstStyle>
-            <a:lvl1pPr marL="228600" indent="-228600" algn="l" defTabSz="914400" rtl="0" eaLnBrk="1" latinLnBrk="0" hangingPunct="1">
-              <a:lnSpc>
-                <a:spcPct val="90000"/>
-              </a:lnSpc>
-              <a:spcBef>
-                <a:spcPts val="1000"/>
-              </a:spcBef>
-              <a:buFont typeface="Arial" panose="020B0604020202020204" pitchFamily="34" charset="0"/>
-              <a:buChar char="•"/>
-              <a:defRPr sz="2800" kern="1200">
-                <a:solidFill>
-                  <a:schemeClr val="tx1"/>
-                </a:solidFill>
-                <a:latin typeface="+mn-lt"/>
-                <a:ea typeface="+mn-ea"/>
-                <a:cs typeface="+mn-cs"/>
-              </a:defRPr>
-            </a:lvl1pPr>
-            <a:lvl2pPr marL="685800" indent="-228600" algn="l" defTabSz="914400" rtl="0" eaLnBrk="1" latinLnBrk="0" hangingPunct="1">
-              <a:lnSpc>
-                <a:spcPct val="90000"/>
-              </a:lnSpc>
-              <a:spcBef>
-                <a:spcPts val="500"/>
-              </a:spcBef>
-              <a:buFont typeface="Arial" panose="020B0604020202020204" pitchFamily="34" charset="0"/>
-              <a:buChar char="•"/>
-              <a:defRPr sz="2400" kern="1200">
-                <a:solidFill>
-                  <a:schemeClr val="tx1"/>
-                </a:solidFill>
-                <a:latin typeface="+mn-lt"/>
-                <a:ea typeface="+mn-ea"/>
-                <a:cs typeface="+mn-cs"/>
-              </a:defRPr>
-            </a:lvl2pPr>
-            <a:lvl3pPr marL="1143000" indent="-228600" algn="l" defTabSz="914400" rtl="0" eaLnBrk="1" latinLnBrk="0" hangingPunct="1">
-              <a:lnSpc>
-                <a:spcPct val="90000"/>
-              </a:lnSpc>
-              <a:spcBef>
-                <a:spcPts val="500"/>
-              </a:spcBef>
-              <a:buFont typeface="Arial" panose="020B0604020202020204" pitchFamily="34" charset="0"/>
-              <a:buChar char="•"/>
-              <a:defRPr sz="2000" kern="1200">
-                <a:solidFill>
-                  <a:schemeClr val="tx1"/>
-                </a:solidFill>
-                <a:latin typeface="+mn-lt"/>
-                <a:ea typeface="+mn-ea"/>
-                <a:cs typeface="+mn-cs"/>
-              </a:defRPr>
-            </a:lvl3pPr>
-            <a:lvl4pPr marL="1600200" indent="-228600" algn="l" defTabSz="914400" rtl="0" eaLnBrk="1" latinLnBrk="0" hangingPunct="1">
-              <a:lnSpc>
-                <a:spcPct val="90000"/>
-              </a:lnSpc>
-              <a:spcBef>
-                <a:spcPts val="500"/>
-              </a:spcBef>
-              <a:buFont typeface="Arial" panose="020B0604020202020204" pitchFamily="34" charset="0"/>
-              <a:buChar char="•"/>
-              <a:defRPr sz="1800" kern="1200">
-                <a:solidFill>
-                  <a:schemeClr val="tx1"/>
-                </a:solidFill>
-                <a:latin typeface="+mn-lt"/>
-                <a:ea typeface="+mn-ea"/>
-                <a:cs typeface="+mn-cs"/>
-              </a:defRPr>
-            </a:lvl4pPr>
-            <a:lvl5pPr marL="2057400" indent="-228600" algn="l" defTabSz="914400" rtl="0" eaLnBrk="1" latinLnBrk="0" hangingPunct="1">
-              <a:lnSpc>
-                <a:spcPct val="90000"/>
-              </a:lnSpc>
-              <a:spcBef>
-                <a:spcPts val="500"/>
-              </a:spcBef>
-              <a:buFont typeface="Arial" panose="020B0604020202020204" pitchFamily="34" charset="0"/>
-              <a:buChar char="•"/>
-              <a:defRPr sz="1800" kern="1200">
-                <a:solidFill>
-                  <a:schemeClr val="tx1"/>
-                </a:solidFill>
-                <a:latin typeface="+mn-lt"/>
-                <a:ea typeface="+mn-ea"/>
-                <a:cs typeface="+mn-cs"/>
-              </a:defRPr>
-            </a:lvl5pPr>
-            <a:lvl6pPr marL="2514600" indent="-228600" algn="l" defTabSz="914400" rtl="0" eaLnBrk="1" latinLnBrk="0" hangingPunct="1">
-              <a:lnSpc>
-                <a:spcPct val="90000"/>
-              </a:lnSpc>
-              <a:spcBef>
-                <a:spcPts val="500"/>
-              </a:spcBef>
-              <a:buFont typeface="Arial" panose="020B0604020202020204" pitchFamily="34" charset="0"/>
-              <a:buChar char="•"/>
-              <a:defRPr sz="1800" kern="1200">
-                <a:solidFill>
-                  <a:schemeClr val="tx1"/>
-                </a:solidFill>
-                <a:latin typeface="+mn-lt"/>
-                <a:ea typeface="+mn-ea"/>
-                <a:cs typeface="+mn-cs"/>
-              </a:defRPr>
-            </a:lvl6pPr>
-            <a:lvl7pPr marL="2971800" indent="-228600" algn="l" defTabSz="914400" rtl="0" eaLnBrk="1" latinLnBrk="0" hangingPunct="1">
-              <a:lnSpc>
-                <a:spcPct val="90000"/>
-              </a:lnSpc>
-              <a:spcBef>
-                <a:spcPts val="500"/>
-              </a:spcBef>
-              <a:buFont typeface="Arial" panose="020B0604020202020204" pitchFamily="34" charset="0"/>
-              <a:buChar char="•"/>
-              <a:defRPr sz="1800" kern="1200">
-                <a:solidFill>
-                  <a:schemeClr val="tx1"/>
-                </a:solidFill>
-                <a:latin typeface="+mn-lt"/>
-                <a:ea typeface="+mn-ea"/>
-                <a:cs typeface="+mn-cs"/>
-              </a:defRPr>
-            </a:lvl7pPr>
-            <a:lvl8pPr marL="3429000" indent="-228600" algn="l" defTabSz="914400" rtl="0" eaLnBrk="1" latinLnBrk="0" hangingPunct="1">
-              <a:lnSpc>
-                <a:spcPct val="90000"/>
-              </a:lnSpc>
-              <a:spcBef>
-                <a:spcPts val="500"/>
-              </a:spcBef>
-              <a:buFont typeface="Arial" panose="020B0604020202020204" pitchFamily="34" charset="0"/>
-              <a:buChar char="•"/>
-              <a:defRPr sz="1800" kern="1200">
-                <a:solidFill>
-                  <a:schemeClr val="tx1"/>
-                </a:solidFill>
-                <a:latin typeface="+mn-lt"/>
-                <a:ea typeface="+mn-ea"/>
-                <a:cs typeface="+mn-cs"/>
-              </a:defRPr>
-            </a:lvl8pPr>
-            <a:lvl9pPr marL="3886200" indent="-228600" algn="l" defTabSz="914400" rtl="0" eaLnBrk="1" latinLnBrk="0" hangingPunct="1">
-              <a:lnSpc>
-                <a:spcPct val="90000"/>
-              </a:lnSpc>
-              <a:spcBef>
-                <a:spcPts val="500"/>
-              </a:spcBef>
-              <a:buFont typeface="Arial" panose="020B0604020202020204" pitchFamily="34" charset="0"/>
-              <a:buChar char="•"/>
-              <a:defRPr sz="1800" kern="1200">
-                <a:solidFill>
-                  <a:schemeClr val="tx1"/>
-                </a:solidFill>
-                <a:latin typeface="+mn-lt"/>
-                <a:ea typeface="+mn-ea"/>
-                <a:cs typeface="+mn-cs"/>
-              </a:defRPr>
-            </a:lvl9pPr>
-          </a:lstStyle>
-          <a:p>
+          <a:lstStyle/>
+          <a:p>
+            <a:pPr algn="just"/>
             <a:r>
               <a:rPr lang="pl-PL" sz="2600" b="1" dirty="0">
                 <a:solidFill>
                   <a:srgbClr val="92D050"/>
                 </a:solidFill>
-                <a:latin typeface="times" panose="02020603050405020304" pitchFamily="18" charset="0"/>
-                <a:cs typeface="times" panose="02020603050405020304" pitchFamily="18" charset="0"/>
+                <a:latin typeface="times"/>
               </a:rPr>
-              <a:t>Utworzenie wstępnej dokumentacji projektu.</a:t>
-            </a:r>
-          </a:p>
-          <a:p>
+              <a:t>Zainteresowanie techniką rozpoznawania ruchów przy wykorzystaniu sensora Kinect, poprzez wykorzystanie bibliotek dostarczonych wraz z Kinect for Windows Developer Toolkit v1.8.</a:t>
+            </a:r>
+          </a:p>
+          <a:p>
+            <a:pPr algn="just"/>
             <a:r>
               <a:rPr lang="pl-PL" sz="2600" b="1" dirty="0">
                 <a:solidFill>
                   <a:srgbClr val="92D050"/>
                 </a:solidFill>
-                <a:latin typeface="times" panose="02020603050405020304" pitchFamily="18" charset="0"/>
-                <a:cs typeface="times" panose="02020603050405020304" pitchFamily="18" charset="0"/>
+                <a:latin typeface="times"/>
               </a:rPr>
-              <a:t>Zapoznanie się z Kinect SDK oraz przeanalizowanie jego możliwości.</a:t>
-            </a:r>
-          </a:p>
-          <a:p>
+              <a:t>Podniesienie umiejętności programowania w języku C# przy wykorzystaniu silnika graficznego WPF (ang. Windows Presentation Foundation).</a:t>
+            </a:r>
+          </a:p>
+          <a:p>
+            <a:pPr algn="just"/>
             <a:r>
               <a:rPr lang="pl-PL" sz="2600" b="1" dirty="0">
                 <a:solidFill>
                   <a:srgbClr val="92D050"/>
                 </a:solidFill>
-                <a:latin typeface="times" panose="02020603050405020304" pitchFamily="18" charset="0"/>
-                <a:cs typeface="times" panose="02020603050405020304" pitchFamily="18" charset="0"/>
+                <a:latin typeface="times"/>
               </a:rPr>
-              <a:t>Nawiązanie komunikacji z </a:t>
-            </a:r>
-            <a:r>
-              <a:rPr lang="pl-PL" sz="2600" b="1" dirty="0" err="1">
-                <a:solidFill>
-                  <a:srgbClr val="92D050"/>
-                </a:solidFill>
-                <a:latin typeface="times" panose="02020603050405020304" pitchFamily="18" charset="0"/>
-                <a:cs typeface="times" panose="02020603050405020304" pitchFamily="18" charset="0"/>
-              </a:rPr>
-              <a:t>Kinectem</a:t>
-            </a:r>
-            <a:r>
-              <a:rPr lang="pl-PL" sz="2600" b="1" dirty="0">
-                <a:solidFill>
-                  <a:srgbClr val="92D050"/>
-                </a:solidFill>
-                <a:latin typeface="times" panose="02020603050405020304" pitchFamily="18" charset="0"/>
-                <a:cs typeface="times" panose="02020603050405020304" pitchFamily="18" charset="0"/>
-              </a:rPr>
-              <a:t>.</a:t>
-            </a:r>
-          </a:p>
-          <a:p>
-            <a:r>
-              <a:rPr lang="pl-PL" sz="2600" b="1" dirty="0">
-                <a:solidFill>
-                  <a:srgbClr val="92D050"/>
-                </a:solidFill>
-                <a:latin typeface="times" panose="02020603050405020304" pitchFamily="18" charset="0"/>
-                <a:cs typeface="times" panose="02020603050405020304" pitchFamily="18" charset="0"/>
-              </a:rPr>
-              <a:t>Stworzenie GUI.</a:t>
-            </a:r>
-          </a:p>
-          <a:p>
-            <a:r>
-              <a:rPr lang="pl-PL" sz="2600" b="1" dirty="0">
-                <a:solidFill>
-                  <a:srgbClr val="92D050"/>
-                </a:solidFill>
-                <a:latin typeface="times" panose="02020603050405020304" pitchFamily="18" charset="0"/>
-                <a:cs typeface="times" panose="02020603050405020304" pitchFamily="18" charset="0"/>
-              </a:rPr>
-              <a:t>Stworzenie logiki aplikacji.</a:t>
-            </a:r>
-          </a:p>
-          <a:p>
-            <a:r>
-              <a:rPr lang="pl-PL" sz="2600" b="1" dirty="0">
-                <a:solidFill>
-                  <a:srgbClr val="92D050"/>
-                </a:solidFill>
-                <a:latin typeface="times" panose="02020603050405020304" pitchFamily="18" charset="0"/>
-                <a:cs typeface="times" panose="02020603050405020304" pitchFamily="18" charset="0"/>
-              </a:rPr>
-              <a:t>Stworzenie kompletnej dokumentacji.</a:t>
-            </a:r>
-          </a:p>
-          <a:p>
-            <a:pPr lvl="1"/>
-            <a:endParaRPr lang="pl-PL" sz="2800" b="1" dirty="0">
+              <a:t>Chęć bardziej praktycznego wykorzystania posiadanego urządzenia.</a:t>
+            </a:r>
+          </a:p>
+          <a:p>
+            <a:pPr marL="0" indent="0" algn="just">
+              <a:buNone/>
+            </a:pPr>
+            <a:endParaRPr lang="pl-PL" sz="2600" dirty="0">
               <a:solidFill>
                 <a:srgbClr val="92D050"/>
               </a:solidFill>
-              <a:latin typeface="times" panose="02020603050405020304" pitchFamily="18" charset="0"/>
-              <a:cs typeface="times" panose="02020603050405020304" pitchFamily="18" charset="0"/>
-            </a:endParaRPr>
-          </a:p>
-          <a:p>
-            <a:pPr lvl="1"/>
-            <a:endParaRPr lang="pl-PL" b="1" dirty="0">
-              <a:solidFill>
-                <a:srgbClr val="92D050"/>
-              </a:solidFill>
-              <a:latin typeface="times" panose="02020603050405020304" pitchFamily="18" charset="0"/>
-              <a:cs typeface="times" panose="02020603050405020304" pitchFamily="18" charset="0"/>
-            </a:endParaRPr>
-          </a:p>
-          <a:p>
-            <a:endParaRPr lang="pl-PL" b="1" dirty="0">
-              <a:solidFill>
-                <a:srgbClr val="92D050"/>
-              </a:solidFill>
-              <a:latin typeface="times" panose="02020603050405020304" pitchFamily="18" charset="0"/>
-              <a:cs typeface="times" panose="02020603050405020304" pitchFamily="18" charset="0"/>
-            </a:endParaRPr>
-          </a:p>
-          <a:p>
-            <a:endParaRPr lang="pl-PL" b="1" dirty="0">
-              <a:solidFill>
-                <a:srgbClr val="92D050"/>
-              </a:solidFill>
-              <a:latin typeface="times" panose="02020603050405020304" pitchFamily="18" charset="0"/>
-              <a:cs typeface="times" panose="02020603050405020304" pitchFamily="18" charset="0"/>
-            </a:endParaRPr>
-          </a:p>
-          <a:p>
-            <a:endParaRPr lang="pl-PL" b="1" dirty="0">
-              <a:solidFill>
-                <a:srgbClr val="92D050"/>
-              </a:solidFill>
-              <a:latin typeface="times" panose="02020603050405020304" pitchFamily="18" charset="0"/>
-              <a:cs typeface="times" panose="02020603050405020304" pitchFamily="18" charset="0"/>
+              <a:latin typeface="Calibri"/>
             </a:endParaRPr>
           </a:p>
         </p:txBody>
@@ -4250,13 +4041,20 @@
     </p:spTree>
     <p:extLst>
       <p:ext uri="{BB962C8B-B14F-4D97-AF65-F5344CB8AC3E}">
-        <p14:creationId xmlns:p14="http://schemas.microsoft.com/office/powerpoint/2010/main" val="347314742"/>
+        <p14:creationId xmlns:p14="http://schemas.microsoft.com/office/powerpoint/2010/main" val="970165875"/>
       </p:ext>
     </p:extLst>
   </p:cSld>
   <p:clrMapOvr>
     <a:masterClrMapping/>
   </p:clrMapOvr>
+  <p:timing>
+    <p:tnLst>
+      <p:par>
+        <p:cTn id="1" dur="indefinite" restart="never" nodeType="tmRoot"/>
+      </p:par>
+    </p:tnLst>
+  </p:timing>
 </p:sld>
 </file>
 
@@ -4287,6 +4085,408 @@
             <p:ph type="title"/>
           </p:nvPr>
         </p:nvSpPr>
+        <p:spPr/>
+        <p:txBody>
+          <a:bodyPr/>
+          <a:lstStyle/>
+          <a:p>
+            <a:pPr algn="ctr"/>
+            <a:r>
+              <a:rPr lang="pl-PL" b="1" dirty="0">
+                <a:solidFill>
+                  <a:srgbClr val="7030A0"/>
+                </a:solidFill>
+                <a:latin typeface="Times New Roman" panose="02020603050405020304" pitchFamily="18" charset="0"/>
+                <a:cs typeface="Times New Roman" panose="02020603050405020304" pitchFamily="18" charset="0"/>
+              </a:rPr>
+              <a:t>Szkic harmonogramu</a:t>
+            </a:r>
+          </a:p>
+        </p:txBody>
+      </p:sp>
+      <p:sp>
+        <p:nvSpPr>
+          <p:cNvPr id="7" name="Symbol zastępczy zawartości 2"/>
+          <p:cNvSpPr txBox="1">
+            <a:spLocks noGrp="1"/>
+          </p:cNvSpPr>
+          <p:nvPr>
+            <p:ph idx="1"/>
+          </p:nvPr>
+        </p:nvSpPr>
+        <p:spPr>
+          <a:xfrm>
+            <a:off x="838200" y="1825625"/>
+            <a:ext cx="10515600" cy="3644446"/>
+          </a:xfrm>
+          <a:prstGeom prst="rect">
+            <a:avLst/>
+          </a:prstGeom>
+          <a:solidFill>
+            <a:schemeClr val="bg1">
+              <a:alpha val="85000"/>
+            </a:schemeClr>
+          </a:solidFill>
+          <a:effectLst>
+            <a:softEdge rad="114300"/>
+          </a:effectLst>
+        </p:spPr>
+        <p:txBody>
+          <a:bodyPr vert="horz" lIns="450000" tIns="45720" rIns="450000" bIns="45720" rtlCol="0" anchor="t">
+            <a:normAutofit/>
+          </a:bodyPr>
+          <a:lstStyle>
+            <a:lvl1pPr marL="228600" indent="-228600" algn="l" defTabSz="914400" rtl="0" eaLnBrk="1" latinLnBrk="0" hangingPunct="1">
+              <a:lnSpc>
+                <a:spcPct val="90000"/>
+              </a:lnSpc>
+              <a:spcBef>
+                <a:spcPts val="1000"/>
+              </a:spcBef>
+              <a:buFont typeface="Arial" panose="020B0604020202020204" pitchFamily="34" charset="0"/>
+              <a:buChar char="•"/>
+              <a:defRPr sz="2800" kern="1200">
+                <a:solidFill>
+                  <a:schemeClr val="tx1"/>
+                </a:solidFill>
+                <a:latin typeface="+mn-lt"/>
+                <a:ea typeface="+mn-ea"/>
+                <a:cs typeface="+mn-cs"/>
+              </a:defRPr>
+            </a:lvl1pPr>
+            <a:lvl2pPr marL="685800" indent="-228600" algn="l" defTabSz="914400" rtl="0" eaLnBrk="1" latinLnBrk="0" hangingPunct="1">
+              <a:lnSpc>
+                <a:spcPct val="90000"/>
+              </a:lnSpc>
+              <a:spcBef>
+                <a:spcPts val="500"/>
+              </a:spcBef>
+              <a:buFont typeface="Arial" panose="020B0604020202020204" pitchFamily="34" charset="0"/>
+              <a:buChar char="•"/>
+              <a:defRPr sz="2400" kern="1200">
+                <a:solidFill>
+                  <a:schemeClr val="tx1"/>
+                </a:solidFill>
+                <a:latin typeface="+mn-lt"/>
+                <a:ea typeface="+mn-ea"/>
+                <a:cs typeface="+mn-cs"/>
+              </a:defRPr>
+            </a:lvl2pPr>
+            <a:lvl3pPr marL="1143000" indent="-228600" algn="l" defTabSz="914400" rtl="0" eaLnBrk="1" latinLnBrk="0" hangingPunct="1">
+              <a:lnSpc>
+                <a:spcPct val="90000"/>
+              </a:lnSpc>
+              <a:spcBef>
+                <a:spcPts val="500"/>
+              </a:spcBef>
+              <a:buFont typeface="Arial" panose="020B0604020202020204" pitchFamily="34" charset="0"/>
+              <a:buChar char="•"/>
+              <a:defRPr sz="2000" kern="1200">
+                <a:solidFill>
+                  <a:schemeClr val="tx1"/>
+                </a:solidFill>
+                <a:latin typeface="+mn-lt"/>
+                <a:ea typeface="+mn-ea"/>
+                <a:cs typeface="+mn-cs"/>
+              </a:defRPr>
+            </a:lvl3pPr>
+            <a:lvl4pPr marL="1600200" indent="-228600" algn="l" defTabSz="914400" rtl="0" eaLnBrk="1" latinLnBrk="0" hangingPunct="1">
+              <a:lnSpc>
+                <a:spcPct val="90000"/>
+              </a:lnSpc>
+              <a:spcBef>
+                <a:spcPts val="500"/>
+              </a:spcBef>
+              <a:buFont typeface="Arial" panose="020B0604020202020204" pitchFamily="34" charset="0"/>
+              <a:buChar char="•"/>
+              <a:defRPr sz="1800" kern="1200">
+                <a:solidFill>
+                  <a:schemeClr val="tx1"/>
+                </a:solidFill>
+                <a:latin typeface="+mn-lt"/>
+                <a:ea typeface="+mn-ea"/>
+                <a:cs typeface="+mn-cs"/>
+              </a:defRPr>
+            </a:lvl4pPr>
+            <a:lvl5pPr marL="2057400" indent="-228600" algn="l" defTabSz="914400" rtl="0" eaLnBrk="1" latinLnBrk="0" hangingPunct="1">
+              <a:lnSpc>
+                <a:spcPct val="90000"/>
+              </a:lnSpc>
+              <a:spcBef>
+                <a:spcPts val="500"/>
+              </a:spcBef>
+              <a:buFont typeface="Arial" panose="020B0604020202020204" pitchFamily="34" charset="0"/>
+              <a:buChar char="•"/>
+              <a:defRPr sz="1800" kern="1200">
+                <a:solidFill>
+                  <a:schemeClr val="tx1"/>
+                </a:solidFill>
+                <a:latin typeface="+mn-lt"/>
+                <a:ea typeface="+mn-ea"/>
+                <a:cs typeface="+mn-cs"/>
+              </a:defRPr>
+            </a:lvl5pPr>
+            <a:lvl6pPr marL="2514600" indent="-228600" algn="l" defTabSz="914400" rtl="0" eaLnBrk="1" latinLnBrk="0" hangingPunct="1">
+              <a:lnSpc>
+                <a:spcPct val="90000"/>
+              </a:lnSpc>
+              <a:spcBef>
+                <a:spcPts val="500"/>
+              </a:spcBef>
+              <a:buFont typeface="Arial" panose="020B0604020202020204" pitchFamily="34" charset="0"/>
+              <a:buChar char="•"/>
+              <a:defRPr sz="1800" kern="1200">
+                <a:solidFill>
+                  <a:schemeClr val="tx1"/>
+                </a:solidFill>
+                <a:latin typeface="+mn-lt"/>
+                <a:ea typeface="+mn-ea"/>
+                <a:cs typeface="+mn-cs"/>
+              </a:defRPr>
+            </a:lvl6pPr>
+            <a:lvl7pPr marL="2971800" indent="-228600" algn="l" defTabSz="914400" rtl="0" eaLnBrk="1" latinLnBrk="0" hangingPunct="1">
+              <a:lnSpc>
+                <a:spcPct val="90000"/>
+              </a:lnSpc>
+              <a:spcBef>
+                <a:spcPts val="500"/>
+              </a:spcBef>
+              <a:buFont typeface="Arial" panose="020B0604020202020204" pitchFamily="34" charset="0"/>
+              <a:buChar char="•"/>
+              <a:defRPr sz="1800" kern="1200">
+                <a:solidFill>
+                  <a:schemeClr val="tx1"/>
+                </a:solidFill>
+                <a:latin typeface="+mn-lt"/>
+                <a:ea typeface="+mn-ea"/>
+                <a:cs typeface="+mn-cs"/>
+              </a:defRPr>
+            </a:lvl7pPr>
+            <a:lvl8pPr marL="3429000" indent="-228600" algn="l" defTabSz="914400" rtl="0" eaLnBrk="1" latinLnBrk="0" hangingPunct="1">
+              <a:lnSpc>
+                <a:spcPct val="90000"/>
+              </a:lnSpc>
+              <a:spcBef>
+                <a:spcPts val="500"/>
+              </a:spcBef>
+              <a:buFont typeface="Arial" panose="020B0604020202020204" pitchFamily="34" charset="0"/>
+              <a:buChar char="•"/>
+              <a:defRPr sz="1800" kern="1200">
+                <a:solidFill>
+                  <a:schemeClr val="tx1"/>
+                </a:solidFill>
+                <a:latin typeface="+mn-lt"/>
+                <a:ea typeface="+mn-ea"/>
+                <a:cs typeface="+mn-cs"/>
+              </a:defRPr>
+            </a:lvl8pPr>
+            <a:lvl9pPr marL="3886200" indent="-228600" algn="l" defTabSz="914400" rtl="0" eaLnBrk="1" latinLnBrk="0" hangingPunct="1">
+              <a:lnSpc>
+                <a:spcPct val="90000"/>
+              </a:lnSpc>
+              <a:spcBef>
+                <a:spcPts val="500"/>
+              </a:spcBef>
+              <a:buFont typeface="Arial" panose="020B0604020202020204" pitchFamily="34" charset="0"/>
+              <a:buChar char="•"/>
+              <a:defRPr sz="1800" kern="1200">
+                <a:solidFill>
+                  <a:schemeClr val="tx1"/>
+                </a:solidFill>
+                <a:latin typeface="+mn-lt"/>
+                <a:ea typeface="+mn-ea"/>
+                <a:cs typeface="+mn-cs"/>
+              </a:defRPr>
+            </a:lvl9pPr>
+          </a:lstStyle>
+          <a:p>
+            <a:r>
+              <a:rPr lang="pl-PL" sz="2600" b="1" dirty="0">
+                <a:solidFill>
+                  <a:srgbClr val="92D050"/>
+                </a:solidFill>
+                <a:latin typeface="times" panose="02020603050405020304" pitchFamily="18" charset="0"/>
+                <a:cs typeface="times" panose="02020603050405020304" pitchFamily="18" charset="0"/>
+              </a:rPr>
+              <a:t>Utworzenie wstępnej dokumentacji projektu.</a:t>
+            </a:r>
+          </a:p>
+          <a:p>
+            <a:r>
+              <a:rPr lang="pl-PL" sz="2600" b="1" dirty="0">
+                <a:solidFill>
+                  <a:srgbClr val="92D050"/>
+                </a:solidFill>
+                <a:latin typeface="times" panose="02020603050405020304" pitchFamily="18" charset="0"/>
+                <a:cs typeface="times" panose="02020603050405020304" pitchFamily="18" charset="0"/>
+              </a:rPr>
+              <a:t>Zapoznanie się z Kinect SDK oraz przeanalizowanie jego możliwości.</a:t>
+            </a:r>
+          </a:p>
+          <a:p>
+            <a:r>
+              <a:rPr lang="pl-PL" sz="2600" b="1" dirty="0">
+                <a:solidFill>
+                  <a:srgbClr val="92D050"/>
+                </a:solidFill>
+                <a:latin typeface="times" panose="02020603050405020304" pitchFamily="18" charset="0"/>
+                <a:cs typeface="times" panose="02020603050405020304" pitchFamily="18" charset="0"/>
+              </a:rPr>
+              <a:t>Nawiązanie komunikacji z </a:t>
+            </a:r>
+            <a:r>
+              <a:rPr lang="pl-PL" sz="2600" b="1" dirty="0" err="1">
+                <a:solidFill>
+                  <a:srgbClr val="92D050"/>
+                </a:solidFill>
+                <a:latin typeface="times" panose="02020603050405020304" pitchFamily="18" charset="0"/>
+                <a:cs typeface="times" panose="02020603050405020304" pitchFamily="18" charset="0"/>
+              </a:rPr>
+              <a:t>Kinectem</a:t>
+            </a:r>
+            <a:r>
+              <a:rPr lang="pl-PL" sz="2600" b="1" dirty="0">
+                <a:solidFill>
+                  <a:srgbClr val="92D050"/>
+                </a:solidFill>
+                <a:latin typeface="times" panose="02020603050405020304" pitchFamily="18" charset="0"/>
+                <a:cs typeface="times" panose="02020603050405020304" pitchFamily="18" charset="0"/>
+              </a:rPr>
+              <a:t>.</a:t>
+            </a:r>
+          </a:p>
+          <a:p>
+            <a:r>
+              <a:rPr lang="pl-PL" sz="2600" b="1" dirty="0">
+                <a:solidFill>
+                  <a:srgbClr val="92D050"/>
+                </a:solidFill>
+                <a:latin typeface="times" panose="02020603050405020304" pitchFamily="18" charset="0"/>
+                <a:cs typeface="times" panose="02020603050405020304" pitchFamily="18" charset="0"/>
+              </a:rPr>
+              <a:t>Stworzenie GUI.</a:t>
+            </a:r>
+          </a:p>
+          <a:p>
+            <a:r>
+              <a:rPr lang="pl-PL" sz="2600" b="1" dirty="0">
+                <a:solidFill>
+                  <a:srgbClr val="92D050"/>
+                </a:solidFill>
+                <a:latin typeface="times" panose="02020603050405020304" pitchFamily="18" charset="0"/>
+                <a:cs typeface="times" panose="02020603050405020304" pitchFamily="18" charset="0"/>
+              </a:rPr>
+              <a:t>Stworzenie logiki aplikacji.</a:t>
+            </a:r>
+          </a:p>
+          <a:p>
+            <a:r>
+              <a:rPr lang="pl-PL" sz="2600" b="1" dirty="0">
+                <a:solidFill>
+                  <a:srgbClr val="92D050"/>
+                </a:solidFill>
+                <a:latin typeface="times" panose="02020603050405020304" pitchFamily="18" charset="0"/>
+                <a:cs typeface="times" panose="02020603050405020304" pitchFamily="18" charset="0"/>
+              </a:rPr>
+              <a:t>Stworzenie kompletnej dokumentacji.</a:t>
+            </a:r>
+          </a:p>
+          <a:p>
+            <a:pPr lvl="1"/>
+            <a:endParaRPr lang="pl-PL" sz="2800" b="1" dirty="0">
+              <a:solidFill>
+                <a:srgbClr val="92D050"/>
+              </a:solidFill>
+              <a:latin typeface="times" panose="02020603050405020304" pitchFamily="18" charset="0"/>
+              <a:cs typeface="times" panose="02020603050405020304" pitchFamily="18" charset="0"/>
+            </a:endParaRPr>
+          </a:p>
+          <a:p>
+            <a:pPr lvl="1"/>
+            <a:endParaRPr lang="pl-PL" b="1" dirty="0">
+              <a:solidFill>
+                <a:srgbClr val="92D050"/>
+              </a:solidFill>
+              <a:latin typeface="times" panose="02020603050405020304" pitchFamily="18" charset="0"/>
+              <a:cs typeface="times" panose="02020603050405020304" pitchFamily="18" charset="0"/>
+            </a:endParaRPr>
+          </a:p>
+          <a:p>
+            <a:endParaRPr lang="pl-PL" b="1" dirty="0">
+              <a:solidFill>
+                <a:srgbClr val="92D050"/>
+              </a:solidFill>
+              <a:latin typeface="times" panose="02020603050405020304" pitchFamily="18" charset="0"/>
+              <a:cs typeface="times" panose="02020603050405020304" pitchFamily="18" charset="0"/>
+            </a:endParaRPr>
+          </a:p>
+          <a:p>
+            <a:endParaRPr lang="pl-PL" b="1" dirty="0">
+              <a:solidFill>
+                <a:srgbClr val="92D050"/>
+              </a:solidFill>
+              <a:latin typeface="times" panose="02020603050405020304" pitchFamily="18" charset="0"/>
+              <a:cs typeface="times" panose="02020603050405020304" pitchFamily="18" charset="0"/>
+            </a:endParaRPr>
+          </a:p>
+          <a:p>
+            <a:endParaRPr lang="pl-PL" b="1" dirty="0">
+              <a:solidFill>
+                <a:srgbClr val="92D050"/>
+              </a:solidFill>
+              <a:latin typeface="times" panose="02020603050405020304" pitchFamily="18" charset="0"/>
+              <a:cs typeface="times" panose="02020603050405020304" pitchFamily="18" charset="0"/>
+            </a:endParaRPr>
+          </a:p>
+        </p:txBody>
+      </p:sp>
+    </p:spTree>
+    <p:extLst>
+      <p:ext uri="{BB962C8B-B14F-4D97-AF65-F5344CB8AC3E}">
+        <p14:creationId xmlns:p14="http://schemas.microsoft.com/office/powerpoint/2010/main" val="347314742"/>
+      </p:ext>
+    </p:extLst>
+  </p:cSld>
+  <p:clrMapOvr>
+    <a:masterClrMapping/>
+  </p:clrMapOvr>
+  <p:timing>
+    <p:tnLst>
+      <p:par>
+        <p:cTn id="1" dur="indefinite" restart="never" nodeType="tmRoot"/>
+      </p:par>
+    </p:tnLst>
+  </p:timing>
+</p:sld>
+</file>
+
+<file path=ppt/slides/slide5.xml><?xml version="1.0" encoding="utf-8"?>
+<p:sld xmlns:a="http://schemas.openxmlformats.org/drawingml/2006/main" xmlns:r="http://schemas.openxmlformats.org/officeDocument/2006/relationships" xmlns:p="http://schemas.openxmlformats.org/presentationml/2006/main">
+  <p:cSld>
+    <p:spTree>
+      <p:nvGrpSpPr>
+        <p:cNvPr id="1" name=""/>
+        <p:cNvGrpSpPr/>
+        <p:nvPr/>
+      </p:nvGrpSpPr>
+      <p:grpSpPr>
+        <a:xfrm>
+          <a:off x="0" y="0"/>
+          <a:ext cx="0" cy="0"/>
+          <a:chOff x="0" y="0"/>
+          <a:chExt cx="0" cy="0"/>
+        </a:xfrm>
+      </p:grpSpPr>
+      <p:sp>
+        <p:nvSpPr>
+          <p:cNvPr id="2" name="Tytuł 1"/>
+          <p:cNvSpPr>
+            <a:spLocks noGrp="1"/>
+          </p:cNvSpPr>
+          <p:nvPr>
+            <p:ph type="title"/>
+          </p:nvPr>
+        </p:nvSpPr>
         <p:spPr>
           <a:xfrm>
             <a:off x="838200" y="365125"/>
@@ -4340,14 +4540,14 @@
                 <a:gridCol w="4204607">
                   <a:extLst>
                     <a:ext uri="{9D8B030D-6E8A-4147-A177-3AD203B41FA5}">
-                      <a16:colId xmlns:a16="http://schemas.microsoft.com/office/drawing/2014/main" val="2118870038"/>
+                      <a16:colId xmlns:a16="http://schemas.microsoft.com/office/drawing/2014/main" xmlns="" val="2118870038"/>
                     </a:ext>
                   </a:extLst>
                 </a:gridCol>
                 <a:gridCol w="4204607">
                   <a:extLst>
                     <a:ext uri="{9D8B030D-6E8A-4147-A177-3AD203B41FA5}">
-                      <a16:colId xmlns:a16="http://schemas.microsoft.com/office/drawing/2014/main" val="901568899"/>
+                      <a16:colId xmlns:a16="http://schemas.microsoft.com/office/drawing/2014/main" xmlns="" val="901568899"/>
                     </a:ext>
                   </a:extLst>
                 </a:gridCol>
@@ -4401,7 +4601,7 @@
                 </a:tc>
                 <a:extLst>
                   <a:ext uri="{0D108BD9-81ED-4DB2-BD59-A6C34878D82A}">
-                    <a16:rowId xmlns:a16="http://schemas.microsoft.com/office/drawing/2014/main" val="498687260"/>
+                    <a16:rowId xmlns:a16="http://schemas.microsoft.com/office/drawing/2014/main" xmlns="" val="498687260"/>
                   </a:ext>
                 </a:extLst>
               </a:tr>
@@ -4475,7 +4675,7 @@
                 </a:tc>
                 <a:extLst>
                   <a:ext uri="{0D108BD9-81ED-4DB2-BD59-A6C34878D82A}">
-                    <a16:rowId xmlns:a16="http://schemas.microsoft.com/office/drawing/2014/main" val="1954606603"/>
+                    <a16:rowId xmlns:a16="http://schemas.microsoft.com/office/drawing/2014/main" xmlns="" val="1954606603"/>
                   </a:ext>
                 </a:extLst>
               </a:tr>
@@ -4558,7 +4758,7 @@
                 </a:tc>
                 <a:extLst>
                   <a:ext uri="{0D108BD9-81ED-4DB2-BD59-A6C34878D82A}">
-                    <a16:rowId xmlns:a16="http://schemas.microsoft.com/office/drawing/2014/main" val="675676785"/>
+                    <a16:rowId xmlns:a16="http://schemas.microsoft.com/office/drawing/2014/main" xmlns="" val="675676785"/>
                   </a:ext>
                 </a:extLst>
               </a:tr>
@@ -4623,7 +4823,7 @@
                 </a:tc>
                 <a:extLst>
                   <a:ext uri="{0D108BD9-81ED-4DB2-BD59-A6C34878D82A}">
-                    <a16:rowId xmlns:a16="http://schemas.microsoft.com/office/drawing/2014/main" val="1650467292"/>
+                    <a16:rowId xmlns:a16="http://schemas.microsoft.com/office/drawing/2014/main" xmlns="" val="1650467292"/>
                   </a:ext>
                 </a:extLst>
               </a:tr>
@@ -4688,7 +4888,7 @@
                 </a:tc>
                 <a:extLst>
                   <a:ext uri="{0D108BD9-81ED-4DB2-BD59-A6C34878D82A}">
-                    <a16:rowId xmlns:a16="http://schemas.microsoft.com/office/drawing/2014/main" val="1247051222"/>
+                    <a16:rowId xmlns:a16="http://schemas.microsoft.com/office/drawing/2014/main" xmlns="" val="1247051222"/>
                   </a:ext>
                 </a:extLst>
               </a:tr>
@@ -4753,7 +4953,7 @@
                 </a:tc>
                 <a:extLst>
                   <a:ext uri="{0D108BD9-81ED-4DB2-BD59-A6C34878D82A}">
-                    <a16:rowId xmlns:a16="http://schemas.microsoft.com/office/drawing/2014/main" val="467676059"/>
+                    <a16:rowId xmlns:a16="http://schemas.microsoft.com/office/drawing/2014/main" xmlns="" val="467676059"/>
                   </a:ext>
                 </a:extLst>
               </a:tr>
@@ -4771,10 +4971,17 @@
   <p:clrMapOvr>
     <a:masterClrMapping/>
   </p:clrMapOvr>
+  <p:timing>
+    <p:tnLst>
+      <p:par>
+        <p:cTn id="1" dur="indefinite" restart="never" nodeType="tmRoot"/>
+      </p:par>
+    </p:tnLst>
+  </p:timing>
 </p:sld>
 </file>
 
-<file path=ppt/slides/slide5.xml><?xml version="1.0" encoding="utf-8"?>
+<file path=ppt/slides/slide6.xml><?xml version="1.0" encoding="utf-8"?>
 <p:sld xmlns:a="http://schemas.openxmlformats.org/drawingml/2006/main" xmlns:r="http://schemas.openxmlformats.org/officeDocument/2006/relationships" xmlns:p="http://schemas.openxmlformats.org/presentationml/2006/main">
   <p:cSld>
     <p:bg>
@@ -4935,6 +5142,13 @@
   <p:clrMapOvr>
     <a:masterClrMapping/>
   </p:clrMapOvr>
+  <p:timing>
+    <p:tnLst>
+      <p:par>
+        <p:cTn id="1" dur="indefinite" restart="never" nodeType="tmRoot"/>
+      </p:par>
+    </p:tnLst>
+  </p:timing>
 </p:sld>
 </file>
 
